--- a/프레젠테이션1.pptx
+++ b/프레젠테이션1.pptx
@@ -259,7 +259,7 @@
           <a:p>
             <a:fld id="{341866D5-F9A3-41FF-B35B-996BB2E0AFF1}" type="datetimeFigureOut">
               <a:rPr lang="ko-KR" altLang="en-US" smtClean="0"/>
-              <a:t>2021-10-25</a:t>
+              <a:t>2021-10-30</a:t>
             </a:fld>
             <a:endParaRPr lang="ko-KR" altLang="en-US"/>
           </a:p>
@@ -457,7 +457,7 @@
           <a:p>
             <a:fld id="{341866D5-F9A3-41FF-B35B-996BB2E0AFF1}" type="datetimeFigureOut">
               <a:rPr lang="ko-KR" altLang="en-US" smtClean="0"/>
-              <a:t>2021-10-25</a:t>
+              <a:t>2021-10-30</a:t>
             </a:fld>
             <a:endParaRPr lang="ko-KR" altLang="en-US"/>
           </a:p>
@@ -665,7 +665,7 @@
           <a:p>
             <a:fld id="{341866D5-F9A3-41FF-B35B-996BB2E0AFF1}" type="datetimeFigureOut">
               <a:rPr lang="ko-KR" altLang="en-US" smtClean="0"/>
-              <a:t>2021-10-25</a:t>
+              <a:t>2021-10-30</a:t>
             </a:fld>
             <a:endParaRPr lang="ko-KR" altLang="en-US"/>
           </a:p>
@@ -863,7 +863,7 @@
           <a:p>
             <a:fld id="{341866D5-F9A3-41FF-B35B-996BB2E0AFF1}" type="datetimeFigureOut">
               <a:rPr lang="ko-KR" altLang="en-US" smtClean="0"/>
-              <a:t>2021-10-25</a:t>
+              <a:t>2021-10-30</a:t>
             </a:fld>
             <a:endParaRPr lang="ko-KR" altLang="en-US"/>
           </a:p>
@@ -1138,7 +1138,7 @@
           <a:p>
             <a:fld id="{341866D5-F9A3-41FF-B35B-996BB2E0AFF1}" type="datetimeFigureOut">
               <a:rPr lang="ko-KR" altLang="en-US" smtClean="0"/>
-              <a:t>2021-10-25</a:t>
+              <a:t>2021-10-30</a:t>
             </a:fld>
             <a:endParaRPr lang="ko-KR" altLang="en-US"/>
           </a:p>
@@ -1403,7 +1403,7 @@
           <a:p>
             <a:fld id="{341866D5-F9A3-41FF-B35B-996BB2E0AFF1}" type="datetimeFigureOut">
               <a:rPr lang="ko-KR" altLang="en-US" smtClean="0"/>
-              <a:t>2021-10-25</a:t>
+              <a:t>2021-10-30</a:t>
             </a:fld>
             <a:endParaRPr lang="ko-KR" altLang="en-US"/>
           </a:p>
@@ -1815,7 +1815,7 @@
           <a:p>
             <a:fld id="{341866D5-F9A3-41FF-B35B-996BB2E0AFF1}" type="datetimeFigureOut">
               <a:rPr lang="ko-KR" altLang="en-US" smtClean="0"/>
-              <a:t>2021-10-25</a:t>
+              <a:t>2021-10-30</a:t>
             </a:fld>
             <a:endParaRPr lang="ko-KR" altLang="en-US"/>
           </a:p>
@@ -1956,7 +1956,7 @@
           <a:p>
             <a:fld id="{341866D5-F9A3-41FF-B35B-996BB2E0AFF1}" type="datetimeFigureOut">
               <a:rPr lang="ko-KR" altLang="en-US" smtClean="0"/>
-              <a:t>2021-10-25</a:t>
+              <a:t>2021-10-30</a:t>
             </a:fld>
             <a:endParaRPr lang="ko-KR" altLang="en-US"/>
           </a:p>
@@ -2069,7 +2069,7 @@
           <a:p>
             <a:fld id="{341866D5-F9A3-41FF-B35B-996BB2E0AFF1}" type="datetimeFigureOut">
               <a:rPr lang="ko-KR" altLang="en-US" smtClean="0"/>
-              <a:t>2021-10-25</a:t>
+              <a:t>2021-10-30</a:t>
             </a:fld>
             <a:endParaRPr lang="ko-KR" altLang="en-US"/>
           </a:p>
@@ -2380,7 +2380,7 @@
           <a:p>
             <a:fld id="{341866D5-F9A3-41FF-B35B-996BB2E0AFF1}" type="datetimeFigureOut">
               <a:rPr lang="ko-KR" altLang="en-US" smtClean="0"/>
-              <a:t>2021-10-25</a:t>
+              <a:t>2021-10-30</a:t>
             </a:fld>
             <a:endParaRPr lang="ko-KR" altLang="en-US"/>
           </a:p>
@@ -2668,7 +2668,7 @@
           <a:p>
             <a:fld id="{341866D5-F9A3-41FF-B35B-996BB2E0AFF1}" type="datetimeFigureOut">
               <a:rPr lang="ko-KR" altLang="en-US" smtClean="0"/>
-              <a:t>2021-10-25</a:t>
+              <a:t>2021-10-30</a:t>
             </a:fld>
             <a:endParaRPr lang="ko-KR" altLang="en-US"/>
           </a:p>
@@ -2909,7 +2909,7 @@
           <a:p>
             <a:fld id="{341866D5-F9A3-41FF-B35B-996BB2E0AFF1}" type="datetimeFigureOut">
               <a:rPr lang="ko-KR" altLang="en-US" smtClean="0"/>
-              <a:t>2021-10-25</a:t>
+              <a:t>2021-10-30</a:t>
             </a:fld>
             <a:endParaRPr lang="ko-KR" altLang="en-US"/>
           </a:p>
@@ -3570,7 +3570,7 @@
             <a:pPr algn="ctr"/>
             <a:r>
               <a:rPr lang="en-US" altLang="ko-KR" sz="1000" b="1" dirty="0"/>
-              <a:t>Process Packet &amp; Update</a:t>
+              <a:t>Process Packet() &amp; Update()</a:t>
             </a:r>
             <a:endParaRPr lang="ko-KR" altLang="en-US" sz="1000" b="1" dirty="0"/>
           </a:p>
@@ -3820,7 +3820,7 @@
             <a:pPr algn="ctr"/>
             <a:r>
               <a:rPr lang="en-US" altLang="ko-KR" sz="1000" b="1" dirty="0"/>
-              <a:t>Send Packet</a:t>
+              <a:t>Send Packet()</a:t>
             </a:r>
           </a:p>
           <a:p>
@@ -3843,6 +3843,13 @@
             <a:r>
               <a:rPr lang="en-US" altLang="ko-KR" sz="1000" b="1" dirty="0"/>
               <a:t>(Player Move)</a:t>
+            </a:r>
+          </a:p>
+          <a:p>
+            <a:pPr algn="ctr"/>
+            <a:r>
+              <a:rPr lang="en-US" altLang="ko-KR" sz="1000" b="1" dirty="0"/>
+              <a:t>(Item)</a:t>
             </a:r>
           </a:p>
           <a:p>
@@ -4794,8 +4801,8 @@
         </p:nvSpPr>
         <p:spPr>
           <a:xfrm>
-            <a:off x="9538747" y="4392965"/>
-            <a:ext cx="1440000" cy="450000"/>
+            <a:off x="9538747" y="4392964"/>
+            <a:ext cx="1440000" cy="482109"/>
           </a:xfrm>
           <a:prstGeom prst="roundRect">
             <a:avLst/>
@@ -4826,6 +4833,28 @@
               <a:rPr lang="en-US" altLang="ko-KR" sz="1000" b="1" dirty="0"/>
               <a:t>Process Packet()</a:t>
             </a:r>
+          </a:p>
+          <a:p>
+            <a:pPr algn="ctr"/>
+            <a:r>
+              <a:rPr lang="en-US" altLang="ko-KR" sz="1000" b="1" dirty="0"/>
+              <a:t>Send</a:t>
+            </a:r>
+            <a:r>
+              <a:rPr lang="ko-KR" altLang="en-US" sz="1000" b="1" dirty="0"/>
+              <a:t> </a:t>
+            </a:r>
+            <a:r>
+              <a:rPr lang="en-US" altLang="ko-KR" sz="1000" b="1" dirty="0"/>
+              <a:t>Packet()</a:t>
+            </a:r>
+          </a:p>
+          <a:p>
+            <a:pPr algn="ctr"/>
+            <a:r>
+              <a:rPr lang="en-US" altLang="ko-KR" sz="1000" b="1" dirty="0"/>
+              <a:t>(Move, item)</a:t>
+            </a:r>
             <a:endParaRPr lang="ko-KR" altLang="en-US" sz="1000" b="1" dirty="0"/>
           </a:p>
         </p:txBody>
@@ -4849,7 +4878,7 @@
         <p:spPr>
           <a:xfrm>
             <a:off x="10258747" y="3914858"/>
-            <a:ext cx="0" cy="478107"/>
+            <a:ext cx="0" cy="478106"/>
           </a:xfrm>
           <a:prstGeom prst="straightConnector1">
             <a:avLst/>
@@ -4892,7 +4921,7 @@
         <p:spPr>
           <a:xfrm rot="10800000" flipH="1">
             <a:off x="9538747" y="3689859"/>
-            <a:ext cx="112500" cy="928107"/>
+            <a:ext cx="112500" cy="944161"/>
           </a:xfrm>
           <a:prstGeom prst="bentConnector3">
             <a:avLst>
@@ -5328,14 +5357,14 @@
             <a:pPr algn="ctr"/>
             <a:r>
               <a:rPr lang="en-US" altLang="ko-KR" sz="1000" b="1" dirty="0"/>
-              <a:t>Send Packet</a:t>
+              <a:t>Send Packet()</a:t>
             </a:r>
           </a:p>
           <a:p>
             <a:pPr algn="ctr"/>
             <a:r>
               <a:rPr lang="en-US" altLang="ko-KR" sz="1000" b="1" dirty="0"/>
-              <a:t>(Move, Hit, item)</a:t>
+              <a:t>(Bullet Move)</a:t>
             </a:r>
           </a:p>
         </p:txBody>
@@ -5959,6 +5988,7 @@
             </a:extLst>
           </p:cNvPr>
           <p:cNvCxnSpPr>
+            <a:cxnSpLocks/>
             <a:stCxn id="346" idx="3"/>
             <a:endCxn id="170" idx="3"/>
           </p:cNvCxnSpPr>
@@ -5967,7 +5997,7 @@
         <p:spPr>
           <a:xfrm flipH="1">
             <a:off x="10978747" y="1487048"/>
-            <a:ext cx="414926" cy="3130917"/>
+            <a:ext cx="414926" cy="3146971"/>
           </a:xfrm>
           <a:prstGeom prst="bentConnector3">
             <a:avLst>

--- a/프레젠테이션1.pptx
+++ b/프레젠테이션1.pptx
@@ -259,7 +259,7 @@
           <a:p>
             <a:fld id="{341866D5-F9A3-41FF-B35B-996BB2E0AFF1}" type="datetimeFigureOut">
               <a:rPr lang="ko-KR" altLang="en-US" smtClean="0"/>
-              <a:t>2021-10-30</a:t>
+              <a:t>2021-11-01</a:t>
             </a:fld>
             <a:endParaRPr lang="ko-KR" altLang="en-US"/>
           </a:p>
@@ -457,7 +457,7 @@
           <a:p>
             <a:fld id="{341866D5-F9A3-41FF-B35B-996BB2E0AFF1}" type="datetimeFigureOut">
               <a:rPr lang="ko-KR" altLang="en-US" smtClean="0"/>
-              <a:t>2021-10-30</a:t>
+              <a:t>2021-11-01</a:t>
             </a:fld>
             <a:endParaRPr lang="ko-KR" altLang="en-US"/>
           </a:p>
@@ -665,7 +665,7 @@
           <a:p>
             <a:fld id="{341866D5-F9A3-41FF-B35B-996BB2E0AFF1}" type="datetimeFigureOut">
               <a:rPr lang="ko-KR" altLang="en-US" smtClean="0"/>
-              <a:t>2021-10-30</a:t>
+              <a:t>2021-11-01</a:t>
             </a:fld>
             <a:endParaRPr lang="ko-KR" altLang="en-US"/>
           </a:p>
@@ -863,7 +863,7 @@
           <a:p>
             <a:fld id="{341866D5-F9A3-41FF-B35B-996BB2E0AFF1}" type="datetimeFigureOut">
               <a:rPr lang="ko-KR" altLang="en-US" smtClean="0"/>
-              <a:t>2021-10-30</a:t>
+              <a:t>2021-11-01</a:t>
             </a:fld>
             <a:endParaRPr lang="ko-KR" altLang="en-US"/>
           </a:p>
@@ -1138,7 +1138,7 @@
           <a:p>
             <a:fld id="{341866D5-F9A3-41FF-B35B-996BB2E0AFF1}" type="datetimeFigureOut">
               <a:rPr lang="ko-KR" altLang="en-US" smtClean="0"/>
-              <a:t>2021-10-30</a:t>
+              <a:t>2021-11-01</a:t>
             </a:fld>
             <a:endParaRPr lang="ko-KR" altLang="en-US"/>
           </a:p>
@@ -1403,7 +1403,7 @@
           <a:p>
             <a:fld id="{341866D5-F9A3-41FF-B35B-996BB2E0AFF1}" type="datetimeFigureOut">
               <a:rPr lang="ko-KR" altLang="en-US" smtClean="0"/>
-              <a:t>2021-10-30</a:t>
+              <a:t>2021-11-01</a:t>
             </a:fld>
             <a:endParaRPr lang="ko-KR" altLang="en-US"/>
           </a:p>
@@ -1815,7 +1815,7 @@
           <a:p>
             <a:fld id="{341866D5-F9A3-41FF-B35B-996BB2E0AFF1}" type="datetimeFigureOut">
               <a:rPr lang="ko-KR" altLang="en-US" smtClean="0"/>
-              <a:t>2021-10-30</a:t>
+              <a:t>2021-11-01</a:t>
             </a:fld>
             <a:endParaRPr lang="ko-KR" altLang="en-US"/>
           </a:p>
@@ -1956,7 +1956,7 @@
           <a:p>
             <a:fld id="{341866D5-F9A3-41FF-B35B-996BB2E0AFF1}" type="datetimeFigureOut">
               <a:rPr lang="ko-KR" altLang="en-US" smtClean="0"/>
-              <a:t>2021-10-30</a:t>
+              <a:t>2021-11-01</a:t>
             </a:fld>
             <a:endParaRPr lang="ko-KR" altLang="en-US"/>
           </a:p>
@@ -2069,7 +2069,7 @@
           <a:p>
             <a:fld id="{341866D5-F9A3-41FF-B35B-996BB2E0AFF1}" type="datetimeFigureOut">
               <a:rPr lang="ko-KR" altLang="en-US" smtClean="0"/>
-              <a:t>2021-10-30</a:t>
+              <a:t>2021-11-01</a:t>
             </a:fld>
             <a:endParaRPr lang="ko-KR" altLang="en-US"/>
           </a:p>
@@ -2380,7 +2380,7 @@
           <a:p>
             <a:fld id="{341866D5-F9A3-41FF-B35B-996BB2E0AFF1}" type="datetimeFigureOut">
               <a:rPr lang="ko-KR" altLang="en-US" smtClean="0"/>
-              <a:t>2021-10-30</a:t>
+              <a:t>2021-11-01</a:t>
             </a:fld>
             <a:endParaRPr lang="ko-KR" altLang="en-US"/>
           </a:p>
@@ -2668,7 +2668,7 @@
           <a:p>
             <a:fld id="{341866D5-F9A3-41FF-B35B-996BB2E0AFF1}" type="datetimeFigureOut">
               <a:rPr lang="ko-KR" altLang="en-US" smtClean="0"/>
-              <a:t>2021-10-30</a:t>
+              <a:t>2021-11-01</a:t>
             </a:fld>
             <a:endParaRPr lang="ko-KR" altLang="en-US"/>
           </a:p>
@@ -2909,7 +2909,7 @@
           <a:p>
             <a:fld id="{341866D5-F9A3-41FF-B35B-996BB2E0AFF1}" type="datetimeFigureOut">
               <a:rPr lang="ko-KR" altLang="en-US" smtClean="0"/>
-              <a:t>2021-10-30</a:t>
+              <a:t>2021-11-01</a:t>
             </a:fld>
             <a:endParaRPr lang="ko-KR" altLang="en-US"/>
           </a:p>
@@ -3478,56 +3478,6 @@
       </p:sp>
       <p:sp>
         <p:nvSpPr>
-          <p:cNvPr id="14" name="사각형: 둥근 모서리 13">
-            <a:extLst>
-              <a:ext uri="{FF2B5EF4-FFF2-40B4-BE49-F238E27FC236}">
-                <a16:creationId xmlns:a16="http://schemas.microsoft.com/office/drawing/2014/main" id="{59FD0ACF-CB00-4763-97C1-46F6B87BEA84}"/>
-              </a:ext>
-            </a:extLst>
-          </p:cNvPr>
-          <p:cNvSpPr/>
-          <p:nvPr/>
-        </p:nvSpPr>
-        <p:spPr>
-          <a:xfrm>
-            <a:off x="7160608" y="1341011"/>
-            <a:ext cx="956734" cy="259315"/>
-          </a:xfrm>
-          <a:prstGeom prst="roundRect">
-            <a:avLst/>
-          </a:prstGeom>
-        </p:spPr>
-        <p:style>
-          <a:lnRef idx="2">
-            <a:schemeClr val="accent4">
-              <a:shade val="50000"/>
-            </a:schemeClr>
-          </a:lnRef>
-          <a:fillRef idx="1">
-            <a:schemeClr val="accent4"/>
-          </a:fillRef>
-          <a:effectRef idx="0">
-            <a:schemeClr val="accent4"/>
-          </a:effectRef>
-          <a:fontRef idx="minor">
-            <a:schemeClr val="lt1"/>
-          </a:fontRef>
-        </p:style>
-        <p:txBody>
-          <a:bodyPr rtlCol="0" anchor="ctr"/>
-          <a:lstStyle/>
-          <a:p>
-            <a:pPr algn="ctr"/>
-            <a:r>
-              <a:rPr lang="en-US" altLang="ko-KR" sz="1000" b="1" dirty="0"/>
-              <a:t>Accept</a:t>
-            </a:r>
-            <a:endParaRPr lang="ko-KR" altLang="en-US" sz="1000" b="1" dirty="0"/>
-          </a:p>
-        </p:txBody>
-      </p:sp>
-      <p:sp>
-        <p:nvSpPr>
           <p:cNvPr id="17" name="사각형: 둥근 모서리 16">
             <a:extLst>
               <a:ext uri="{FF2B5EF4-FFF2-40B4-BE49-F238E27FC236}">
@@ -3570,7 +3520,7 @@
             <a:pPr algn="ctr"/>
             <a:r>
               <a:rPr lang="en-US" altLang="ko-KR" sz="1000" b="1" dirty="0"/>
-              <a:t>Process Packet() &amp; Update()</a:t>
+              <a:t>Process Packet &amp; Update</a:t>
             </a:r>
             <a:endParaRPr lang="ko-KR" altLang="en-US" sz="1000" b="1" dirty="0"/>
           </a:p>
@@ -3820,7 +3770,7 @@
             <a:pPr algn="ctr"/>
             <a:r>
               <a:rPr lang="en-US" altLang="ko-KR" sz="1000" b="1" dirty="0"/>
-              <a:t>Send Packet()</a:t>
+              <a:t>Send Packet</a:t>
             </a:r>
           </a:p>
           <a:p>
@@ -3948,104 +3898,6 @@
       </p:cxnSp>
       <p:sp>
         <p:nvSpPr>
-          <p:cNvPr id="61" name="순서도: 판단 60">
-            <a:extLst>
-              <a:ext uri="{FF2B5EF4-FFF2-40B4-BE49-F238E27FC236}">
-                <a16:creationId xmlns:a16="http://schemas.microsoft.com/office/drawing/2014/main" id="{CFAB9205-8D4D-4559-9DA8-EE5A287525B4}"/>
-              </a:ext>
-            </a:extLst>
-          </p:cNvPr>
-          <p:cNvSpPr/>
-          <p:nvPr/>
-        </p:nvSpPr>
-        <p:spPr>
-          <a:xfrm>
-            <a:off x="6924118" y="3254458"/>
-            <a:ext cx="1440000" cy="660400"/>
-          </a:xfrm>
-          <a:prstGeom prst="flowChartDecision">
-            <a:avLst/>
-          </a:prstGeom>
-        </p:spPr>
-        <p:style>
-          <a:lnRef idx="2">
-            <a:schemeClr val="accent4">
-              <a:shade val="50000"/>
-            </a:schemeClr>
-          </a:lnRef>
-          <a:fillRef idx="1">
-            <a:schemeClr val="accent4"/>
-          </a:fillRef>
-          <a:effectRef idx="0">
-            <a:schemeClr val="accent4"/>
-          </a:effectRef>
-          <a:fontRef idx="minor">
-            <a:schemeClr val="lt1"/>
-          </a:fontRef>
-        </p:style>
-        <p:txBody>
-          <a:bodyPr rtlCol="0" anchor="ctr"/>
-          <a:lstStyle/>
-          <a:p>
-            <a:pPr algn="ctr"/>
-            <a:r>
-              <a:rPr lang="en-US" altLang="ko-KR" sz="1000" b="1" dirty="0"/>
-              <a:t>4</a:t>
-            </a:r>
-            <a:r>
-              <a:rPr lang="ko-KR" altLang="en-US" sz="1000" b="1" dirty="0"/>
-              <a:t>명 이상</a:t>
-            </a:r>
-          </a:p>
-        </p:txBody>
-      </p:sp>
-      <p:cxnSp>
-        <p:nvCxnSpPr>
-          <p:cNvPr id="63" name="연결선: 꺾임 62">
-            <a:extLst>
-              <a:ext uri="{FF2B5EF4-FFF2-40B4-BE49-F238E27FC236}">
-                <a16:creationId xmlns:a16="http://schemas.microsoft.com/office/drawing/2014/main" id="{8D747EDB-1153-47EF-980C-4BC967722C05}"/>
-              </a:ext>
-            </a:extLst>
-          </p:cNvPr>
-          <p:cNvCxnSpPr>
-            <a:cxnSpLocks/>
-            <a:stCxn id="61" idx="3"/>
-            <a:endCxn id="14" idx="3"/>
-          </p:cNvCxnSpPr>
-          <p:nvPr/>
-        </p:nvCxnSpPr>
-        <p:spPr>
-          <a:xfrm flipH="1" flipV="1">
-            <a:off x="8117342" y="1470669"/>
-            <a:ext cx="246776" cy="2113989"/>
-          </a:xfrm>
-          <a:prstGeom prst="bentConnector3">
-            <a:avLst>
-              <a:gd name="adj1" fmla="val -92635"/>
-            </a:avLst>
-          </a:prstGeom>
-          <a:ln>
-            <a:tailEnd type="triangle"/>
-          </a:ln>
-        </p:spPr>
-        <p:style>
-          <a:lnRef idx="1">
-            <a:schemeClr val="accent4"/>
-          </a:lnRef>
-          <a:fillRef idx="0">
-            <a:schemeClr val="accent4"/>
-          </a:fillRef>
-          <a:effectRef idx="0">
-            <a:schemeClr val="accent4"/>
-          </a:effectRef>
-          <a:fontRef idx="minor">
-            <a:schemeClr val="tx1"/>
-          </a:fontRef>
-        </p:style>
-      </p:cxnSp>
-      <p:sp>
-        <p:nvSpPr>
           <p:cNvPr id="65" name="TextBox 64">
             <a:extLst>
               <a:ext uri="{FF2B5EF4-FFF2-40B4-BE49-F238E27FC236}">
@@ -4118,135 +3970,6 @@
           </a:p>
         </p:txBody>
       </p:sp>
-      <p:cxnSp>
-        <p:nvCxnSpPr>
-          <p:cNvPr id="68" name="직선 화살표 연결선 67">
-            <a:extLst>
-              <a:ext uri="{FF2B5EF4-FFF2-40B4-BE49-F238E27FC236}">
-                <a16:creationId xmlns:a16="http://schemas.microsoft.com/office/drawing/2014/main" id="{E45F3FE6-1B2B-40B8-92DD-00D0940475C9}"/>
-              </a:ext>
-            </a:extLst>
-          </p:cNvPr>
-          <p:cNvCxnSpPr>
-            <a:cxnSpLocks/>
-            <a:stCxn id="61" idx="2"/>
-            <a:endCxn id="205" idx="0"/>
-          </p:cNvCxnSpPr>
-          <p:nvPr/>
-        </p:nvCxnSpPr>
-        <p:spPr>
-          <a:xfrm>
-            <a:off x="7644118" y="3914858"/>
-            <a:ext cx="9562" cy="135515"/>
-          </a:xfrm>
-          <a:prstGeom prst="straightConnector1">
-            <a:avLst/>
-          </a:prstGeom>
-          <a:ln>
-            <a:tailEnd type="triangle"/>
-          </a:ln>
-        </p:spPr>
-        <p:style>
-          <a:lnRef idx="1">
-            <a:schemeClr val="accent4"/>
-          </a:lnRef>
-          <a:fillRef idx="0">
-            <a:schemeClr val="accent4"/>
-          </a:fillRef>
-          <a:effectRef idx="0">
-            <a:schemeClr val="accent4"/>
-          </a:effectRef>
-          <a:fontRef idx="minor">
-            <a:schemeClr val="tx1"/>
-          </a:fontRef>
-        </p:style>
-      </p:cxnSp>
-      <p:cxnSp>
-        <p:nvCxnSpPr>
-          <p:cNvPr id="71" name="직선 화살표 연결선 70">
-            <a:extLst>
-              <a:ext uri="{FF2B5EF4-FFF2-40B4-BE49-F238E27FC236}">
-                <a16:creationId xmlns:a16="http://schemas.microsoft.com/office/drawing/2014/main" id="{D3F051AD-C409-4245-BEC5-50E853910CBA}"/>
-              </a:ext>
-            </a:extLst>
-          </p:cNvPr>
-          <p:cNvCxnSpPr>
-            <a:cxnSpLocks/>
-            <a:stCxn id="14" idx="2"/>
-            <a:endCxn id="161" idx="0"/>
-          </p:cNvCxnSpPr>
-          <p:nvPr/>
-        </p:nvCxnSpPr>
-        <p:spPr>
-          <a:xfrm>
-            <a:off x="7638975" y="1600326"/>
-            <a:ext cx="0" cy="214645"/>
-          </a:xfrm>
-          <a:prstGeom prst="straightConnector1">
-            <a:avLst/>
-          </a:prstGeom>
-          <a:ln>
-            <a:tailEnd type="triangle"/>
-          </a:ln>
-        </p:spPr>
-        <p:style>
-          <a:lnRef idx="1">
-            <a:schemeClr val="accent4"/>
-          </a:lnRef>
-          <a:fillRef idx="0">
-            <a:schemeClr val="accent4"/>
-          </a:fillRef>
-          <a:effectRef idx="0">
-            <a:schemeClr val="accent4"/>
-          </a:effectRef>
-          <a:fontRef idx="minor">
-            <a:schemeClr val="tx1"/>
-          </a:fontRef>
-        </p:style>
-      </p:cxnSp>
-      <p:cxnSp>
-        <p:nvCxnSpPr>
-          <p:cNvPr id="78" name="직선 화살표 연결선 77">
-            <a:extLst>
-              <a:ext uri="{FF2B5EF4-FFF2-40B4-BE49-F238E27FC236}">
-                <a16:creationId xmlns:a16="http://schemas.microsoft.com/office/drawing/2014/main" id="{AE2F12D4-2F9E-4CDF-A3C7-195D20524B0D}"/>
-              </a:ext>
-            </a:extLst>
-          </p:cNvPr>
-          <p:cNvCxnSpPr>
-            <a:cxnSpLocks/>
-            <a:stCxn id="211" idx="4"/>
-            <a:endCxn id="61" idx="0"/>
-          </p:cNvCxnSpPr>
-          <p:nvPr/>
-        </p:nvCxnSpPr>
-        <p:spPr>
-          <a:xfrm flipH="1">
-            <a:off x="7644118" y="3088631"/>
-            <a:ext cx="1969" cy="165827"/>
-          </a:xfrm>
-          <a:prstGeom prst="straightConnector1">
-            <a:avLst/>
-          </a:prstGeom>
-          <a:ln>
-            <a:tailEnd type="triangle"/>
-          </a:ln>
-        </p:spPr>
-        <p:style>
-          <a:lnRef idx="1">
-            <a:schemeClr val="accent4"/>
-          </a:lnRef>
-          <a:fillRef idx="0">
-            <a:schemeClr val="accent4"/>
-          </a:fillRef>
-          <a:effectRef idx="0">
-            <a:schemeClr val="accent4"/>
-          </a:effectRef>
-          <a:fontRef idx="minor">
-            <a:schemeClr val="tx1"/>
-          </a:fontRef>
-        </p:style>
-      </p:cxnSp>
       <p:cxnSp>
         <p:nvCxnSpPr>
           <p:cNvPr id="101" name="직선 화살표 연결선 100">
@@ -4601,107 +4324,6 @@
           </a:p>
         </p:txBody>
       </p:sp>
-      <p:sp>
-        <p:nvSpPr>
-          <p:cNvPr id="161" name="사각형: 둥근 모서리 160">
-            <a:extLst>
-              <a:ext uri="{FF2B5EF4-FFF2-40B4-BE49-F238E27FC236}">
-                <a16:creationId xmlns:a16="http://schemas.microsoft.com/office/drawing/2014/main" id="{325CE104-27D3-4E12-9A3C-3251A2417C10}"/>
-              </a:ext>
-            </a:extLst>
-          </p:cNvPr>
-          <p:cNvSpPr/>
-          <p:nvPr/>
-        </p:nvSpPr>
-        <p:spPr>
-          <a:xfrm>
-            <a:off x="6918975" y="1814971"/>
-            <a:ext cx="1440000" cy="412840"/>
-          </a:xfrm>
-          <a:prstGeom prst="roundRect">
-            <a:avLst/>
-          </a:prstGeom>
-        </p:spPr>
-        <p:style>
-          <a:lnRef idx="2">
-            <a:schemeClr val="accent4">
-              <a:shade val="50000"/>
-            </a:schemeClr>
-          </a:lnRef>
-          <a:fillRef idx="1">
-            <a:schemeClr val="accent4"/>
-          </a:fillRef>
-          <a:effectRef idx="0">
-            <a:schemeClr val="accent4"/>
-          </a:effectRef>
-          <a:fontRef idx="minor">
-            <a:schemeClr val="lt1"/>
-          </a:fontRef>
-        </p:style>
-        <p:txBody>
-          <a:bodyPr rtlCol="0" anchor="ctr"/>
-          <a:lstStyle/>
-          <a:p>
-            <a:pPr algn="ctr"/>
-            <a:r>
-              <a:rPr lang="en-US" altLang="ko-KR" sz="1000" b="1" dirty="0"/>
-              <a:t>Create </a:t>
-            </a:r>
-            <a:r>
-              <a:rPr lang="en-US" altLang="ko-KR" sz="1000" b="1" dirty="0" err="1"/>
-              <a:t>Recv</a:t>
-            </a:r>
-            <a:r>
-              <a:rPr lang="en-US" altLang="ko-KR" sz="1000" b="1" dirty="0"/>
-              <a:t> Thread</a:t>
-            </a:r>
-            <a:endParaRPr lang="ko-KR" altLang="en-US" sz="1000" b="1" dirty="0"/>
-          </a:p>
-        </p:txBody>
-      </p:sp>
-      <p:cxnSp>
-        <p:nvCxnSpPr>
-          <p:cNvPr id="164" name="직선 화살표 연결선 163">
-            <a:extLst>
-              <a:ext uri="{FF2B5EF4-FFF2-40B4-BE49-F238E27FC236}">
-                <a16:creationId xmlns:a16="http://schemas.microsoft.com/office/drawing/2014/main" id="{7DDDBB25-BD64-41D0-BCB4-8BAF7A6A0128}"/>
-              </a:ext>
-            </a:extLst>
-          </p:cNvPr>
-          <p:cNvCxnSpPr>
-            <a:cxnSpLocks/>
-            <a:stCxn id="161" idx="2"/>
-            <a:endCxn id="211" idx="0"/>
-          </p:cNvCxnSpPr>
-          <p:nvPr/>
-        </p:nvCxnSpPr>
-        <p:spPr>
-          <a:xfrm>
-            <a:off x="7638975" y="2227811"/>
-            <a:ext cx="7112" cy="268153"/>
-          </a:xfrm>
-          <a:prstGeom prst="straightConnector1">
-            <a:avLst/>
-          </a:prstGeom>
-          <a:ln>
-            <a:tailEnd type="triangle"/>
-          </a:ln>
-        </p:spPr>
-        <p:style>
-          <a:lnRef idx="1">
-            <a:schemeClr val="accent4"/>
-          </a:lnRef>
-          <a:fillRef idx="0">
-            <a:schemeClr val="accent4"/>
-          </a:fillRef>
-          <a:effectRef idx="0">
-            <a:schemeClr val="accent4"/>
-          </a:effectRef>
-          <a:fontRef idx="minor">
-            <a:schemeClr val="tx1"/>
-          </a:fontRef>
-        </p:style>
-      </p:cxnSp>
       <p:cxnSp>
         <p:nvCxnSpPr>
           <p:cNvPr id="166" name="직선 화살표 연결선 165">
@@ -4756,14 +4378,14 @@
           <p:cNvCxnSpPr>
             <a:cxnSpLocks/>
             <a:stCxn id="13" idx="2"/>
-            <a:endCxn id="14" idx="0"/>
+            <a:endCxn id="147" idx="0"/>
           </p:cNvCxnSpPr>
           <p:nvPr/>
         </p:nvCxnSpPr>
         <p:spPr>
-          <a:xfrm>
-            <a:off x="7638975" y="1182482"/>
-            <a:ext cx="0" cy="158529"/>
+          <a:xfrm flipH="1">
+            <a:off x="7634092" y="1182482"/>
+            <a:ext cx="4883" cy="136579"/>
           </a:xfrm>
           <a:prstGeom prst="straightConnector1">
             <a:avLst/>
@@ -4787,78 +4409,6 @@
           </a:fontRef>
         </p:style>
       </p:cxnSp>
-      <p:sp>
-        <p:nvSpPr>
-          <p:cNvPr id="170" name="사각형: 둥근 모서리 169">
-            <a:extLst>
-              <a:ext uri="{FF2B5EF4-FFF2-40B4-BE49-F238E27FC236}">
-                <a16:creationId xmlns:a16="http://schemas.microsoft.com/office/drawing/2014/main" id="{229514AF-FAD7-4A3F-B677-0C2D9253D9C1}"/>
-              </a:ext>
-            </a:extLst>
-          </p:cNvPr>
-          <p:cNvSpPr/>
-          <p:nvPr/>
-        </p:nvSpPr>
-        <p:spPr>
-          <a:xfrm>
-            <a:off x="9538747" y="4392964"/>
-            <a:ext cx="1440000" cy="482109"/>
-          </a:xfrm>
-          <a:prstGeom prst="roundRect">
-            <a:avLst/>
-          </a:prstGeom>
-        </p:spPr>
-        <p:style>
-          <a:lnRef idx="2">
-            <a:schemeClr val="accent4">
-              <a:shade val="50000"/>
-            </a:schemeClr>
-          </a:lnRef>
-          <a:fillRef idx="1">
-            <a:schemeClr val="accent4"/>
-          </a:fillRef>
-          <a:effectRef idx="0">
-            <a:schemeClr val="accent4"/>
-          </a:effectRef>
-          <a:fontRef idx="minor">
-            <a:schemeClr val="lt1"/>
-          </a:fontRef>
-        </p:style>
-        <p:txBody>
-          <a:bodyPr rtlCol="0" anchor="ctr"/>
-          <a:lstStyle/>
-          <a:p>
-            <a:pPr algn="ctr"/>
-            <a:r>
-              <a:rPr lang="en-US" altLang="ko-KR" sz="1000" b="1" dirty="0"/>
-              <a:t>Process Packet()</a:t>
-            </a:r>
-          </a:p>
-          <a:p>
-            <a:pPr algn="ctr"/>
-            <a:r>
-              <a:rPr lang="en-US" altLang="ko-KR" sz="1000" b="1" dirty="0"/>
-              <a:t>Send</a:t>
-            </a:r>
-            <a:r>
-              <a:rPr lang="ko-KR" altLang="en-US" sz="1000" b="1" dirty="0"/>
-              <a:t> </a:t>
-            </a:r>
-            <a:r>
-              <a:rPr lang="en-US" altLang="ko-KR" sz="1000" b="1" dirty="0"/>
-              <a:t>Packet()</a:t>
-            </a:r>
-          </a:p>
-          <a:p>
-            <a:pPr algn="ctr"/>
-            <a:r>
-              <a:rPr lang="en-US" altLang="ko-KR" sz="1000" b="1" dirty="0"/>
-              <a:t>(Move, item)</a:t>
-            </a:r>
-            <a:endParaRPr lang="ko-KR" altLang="en-US" sz="1000" b="1" dirty="0"/>
-          </a:p>
-        </p:txBody>
-      </p:sp>
       <p:cxnSp>
         <p:nvCxnSpPr>
           <p:cNvPr id="171" name="직선 화살표 연결선 170">
@@ -4871,14 +4421,14 @@
           <p:cNvCxnSpPr>
             <a:cxnSpLocks/>
             <a:stCxn id="174" idx="3"/>
-            <a:endCxn id="170" idx="0"/>
+            <a:endCxn id="70" idx="0"/>
           </p:cNvCxnSpPr>
           <p:nvPr/>
         </p:nvCxnSpPr>
         <p:spPr>
           <a:xfrm>
             <a:off x="10258747" y="3914858"/>
-            <a:ext cx="0" cy="478106"/>
+            <a:ext cx="10905" cy="340836"/>
           </a:xfrm>
           <a:prstGeom prst="straightConnector1">
             <a:avLst/>
@@ -4913,19 +4463,19 @@
           </p:cNvPr>
           <p:cNvCxnSpPr>
             <a:cxnSpLocks/>
-            <a:stCxn id="170" idx="1"/>
+            <a:stCxn id="76" idx="5"/>
             <a:endCxn id="174" idx="5"/>
           </p:cNvCxnSpPr>
           <p:nvPr/>
         </p:nvCxnSpPr>
         <p:spPr>
           <a:xfrm rot="10800000" flipH="1">
-            <a:off x="9538747" y="3689859"/>
-            <a:ext cx="112500" cy="944161"/>
+            <a:off x="9604431" y="3689858"/>
+            <a:ext cx="46816" cy="1456094"/>
           </a:xfrm>
           <a:prstGeom prst="bentConnector3">
             <a:avLst>
-              <a:gd name="adj1" fmla="val -203200"/>
+              <a:gd name="adj1" fmla="val -608446"/>
             </a:avLst>
           </a:prstGeom>
           <a:ln>
@@ -5091,18 +4641,22 @@
             </a:extLst>
           </p:cNvPr>
           <p:cNvCxnSpPr>
-            <a:stCxn id="161" idx="3"/>
+            <a:cxnSpLocks/>
+            <a:stCxn id="113" idx="3"/>
             <a:endCxn id="175" idx="0"/>
           </p:cNvCxnSpPr>
           <p:nvPr/>
         </p:nvCxnSpPr>
         <p:spPr>
-          <a:xfrm>
-            <a:off x="8358975" y="2021391"/>
-            <a:ext cx="1899772" cy="966784"/>
-          </a:xfrm>
-          <a:prstGeom prst="bentConnector2">
-            <a:avLst/>
+          <a:xfrm flipV="1">
+            <a:off x="8431798" y="2988175"/>
+            <a:ext cx="1826949" cy="2206858"/>
+          </a:xfrm>
+          <a:prstGeom prst="bentConnector4">
+            <a:avLst>
+              <a:gd name="adj1" fmla="val 28211"/>
+              <a:gd name="adj2" fmla="val 110359"/>
+            </a:avLst>
           </a:prstGeom>
           <a:ln>
             <a:tailEnd type="triangle"/>
@@ -5137,7 +4691,7 @@
         </p:nvSpPr>
         <p:spPr>
           <a:xfrm>
-            <a:off x="6972761" y="5220855"/>
+            <a:off x="6980892" y="2274114"/>
             <a:ext cx="1440000" cy="592667"/>
           </a:xfrm>
           <a:prstGeom prst="roundRect">
@@ -5172,55 +4726,12 @@
           </a:p>
         </p:txBody>
       </p:sp>
-      <p:cxnSp>
-        <p:nvCxnSpPr>
-          <p:cNvPr id="203" name="직선 화살표 연결선 202">
-            <a:extLst>
-              <a:ext uri="{FF2B5EF4-FFF2-40B4-BE49-F238E27FC236}">
-                <a16:creationId xmlns:a16="http://schemas.microsoft.com/office/drawing/2014/main" id="{0DBB0C50-9853-43A2-B087-A9FC8A8711C0}"/>
-              </a:ext>
-            </a:extLst>
-          </p:cNvPr>
-          <p:cNvCxnSpPr>
-            <a:cxnSpLocks/>
-            <a:stCxn id="205" idx="4"/>
-            <a:endCxn id="326" idx="0"/>
-          </p:cNvCxnSpPr>
-          <p:nvPr/>
-        </p:nvCxnSpPr>
-        <p:spPr>
-          <a:xfrm>
-            <a:off x="7653680" y="4643040"/>
-            <a:ext cx="0" cy="233560"/>
-          </a:xfrm>
-          <a:prstGeom prst="straightConnector1">
-            <a:avLst/>
-          </a:prstGeom>
-          <a:ln>
-            <a:tailEnd type="triangle"/>
-          </a:ln>
-        </p:spPr>
-        <p:style>
-          <a:lnRef idx="1">
-            <a:schemeClr val="accent4"/>
-          </a:lnRef>
-          <a:fillRef idx="0">
-            <a:schemeClr val="accent4"/>
-          </a:fillRef>
-          <a:effectRef idx="0">
-            <a:schemeClr val="accent4"/>
-          </a:effectRef>
-          <a:fontRef idx="minor">
-            <a:schemeClr val="tx1"/>
-          </a:fontRef>
-        </p:style>
-      </p:cxnSp>
-      <p:sp>
-        <p:nvSpPr>
-          <p:cNvPr id="205" name="평행 사변형 204">
-            <a:extLst>
-              <a:ext uri="{FF2B5EF4-FFF2-40B4-BE49-F238E27FC236}">
-                <a16:creationId xmlns:a16="http://schemas.microsoft.com/office/drawing/2014/main" id="{DFDD311E-EA39-47DA-8FE4-6CBA42E799EE}"/>
+      <p:sp>
+        <p:nvSpPr>
+          <p:cNvPr id="222" name="평행 사변형 221">
+            <a:extLst>
+              <a:ext uri="{FF2B5EF4-FFF2-40B4-BE49-F238E27FC236}">
+                <a16:creationId xmlns:a16="http://schemas.microsoft.com/office/drawing/2014/main" id="{0D4AE7E6-2594-4ECB-B3E6-8EC72475197D}"/>
               </a:ext>
             </a:extLst>
           </p:cNvPr>
@@ -5229,7 +4740,7 @@
         </p:nvSpPr>
         <p:spPr>
           <a:xfrm>
-            <a:off x="6843680" y="4050373"/>
+            <a:off x="6890892" y="3127996"/>
             <a:ext cx="1620000" cy="592667"/>
           </a:xfrm>
           <a:prstGeom prst="parallelogram">
@@ -5259,104 +4770,6 @@
             <a:pPr algn="ctr"/>
             <a:r>
               <a:rPr lang="en-US" altLang="ko-KR" sz="1000" b="1" dirty="0"/>
-              <a:t>Send game start packet</a:t>
-            </a:r>
-          </a:p>
-        </p:txBody>
-      </p:sp>
-      <p:sp>
-        <p:nvSpPr>
-          <p:cNvPr id="211" name="평행 사변형 210">
-            <a:extLst>
-              <a:ext uri="{FF2B5EF4-FFF2-40B4-BE49-F238E27FC236}">
-                <a16:creationId xmlns:a16="http://schemas.microsoft.com/office/drawing/2014/main" id="{FEAA5CB8-09F5-4B1B-9E27-3A8E2087ECA0}"/>
-              </a:ext>
-            </a:extLst>
-          </p:cNvPr>
-          <p:cNvSpPr/>
-          <p:nvPr/>
-        </p:nvSpPr>
-        <p:spPr>
-          <a:xfrm>
-            <a:off x="6836087" y="2495964"/>
-            <a:ext cx="1620000" cy="592667"/>
-          </a:xfrm>
-          <a:prstGeom prst="parallelogram">
-            <a:avLst/>
-          </a:prstGeom>
-        </p:spPr>
-        <p:style>
-          <a:lnRef idx="2">
-            <a:schemeClr val="accent4">
-              <a:shade val="50000"/>
-            </a:schemeClr>
-          </a:lnRef>
-          <a:fillRef idx="1">
-            <a:schemeClr val="accent4"/>
-          </a:fillRef>
-          <a:effectRef idx="0">
-            <a:schemeClr val="accent4"/>
-          </a:effectRef>
-          <a:fontRef idx="minor">
-            <a:schemeClr val="lt1"/>
-          </a:fontRef>
-        </p:style>
-        <p:txBody>
-          <a:bodyPr rtlCol="0" anchor="ctr"/>
-          <a:lstStyle/>
-          <a:p>
-            <a:pPr algn="ctr"/>
-            <a:r>
-              <a:rPr lang="en-US" altLang="ko-KR" sz="1000" b="1" dirty="0"/>
-              <a:t>Send login ok packet</a:t>
-            </a:r>
-          </a:p>
-        </p:txBody>
-      </p:sp>
-      <p:sp>
-        <p:nvSpPr>
-          <p:cNvPr id="222" name="평행 사변형 221">
-            <a:extLst>
-              <a:ext uri="{FF2B5EF4-FFF2-40B4-BE49-F238E27FC236}">
-                <a16:creationId xmlns:a16="http://schemas.microsoft.com/office/drawing/2014/main" id="{0D4AE7E6-2594-4ECB-B3E6-8EC72475197D}"/>
-              </a:ext>
-            </a:extLst>
-          </p:cNvPr>
-          <p:cNvSpPr/>
-          <p:nvPr/>
-        </p:nvSpPr>
-        <p:spPr>
-          <a:xfrm>
-            <a:off x="6882761" y="6074737"/>
-            <a:ext cx="1620000" cy="592667"/>
-          </a:xfrm>
-          <a:prstGeom prst="parallelogram">
-            <a:avLst/>
-          </a:prstGeom>
-        </p:spPr>
-        <p:style>
-          <a:lnRef idx="2">
-            <a:schemeClr val="accent4">
-              <a:shade val="50000"/>
-            </a:schemeClr>
-          </a:lnRef>
-          <a:fillRef idx="1">
-            <a:schemeClr val="accent4"/>
-          </a:fillRef>
-          <a:effectRef idx="0">
-            <a:schemeClr val="accent4"/>
-          </a:effectRef>
-          <a:fontRef idx="minor">
-            <a:schemeClr val="lt1"/>
-          </a:fontRef>
-        </p:style>
-        <p:txBody>
-          <a:bodyPr rtlCol="0" anchor="ctr"/>
-          <a:lstStyle/>
-          <a:p>
-            <a:pPr algn="ctr"/>
-            <a:r>
-              <a:rPr lang="en-US" altLang="ko-KR" sz="1000" b="1" dirty="0"/>
               <a:t>Send Packet()</a:t>
             </a:r>
           </a:p>
@@ -5386,7 +4799,7 @@
         </p:nvCxnSpPr>
         <p:spPr>
           <a:xfrm>
-            <a:off x="7692761" y="5813522"/>
+            <a:off x="7700892" y="2866781"/>
             <a:ext cx="0" cy="261215"/>
           </a:xfrm>
           <a:prstGeom prst="straightConnector1">
@@ -5428,7 +4841,7 @@
         </p:nvCxnSpPr>
         <p:spPr>
           <a:xfrm rot="10800000" flipH="1">
-            <a:off x="6956843" y="5517189"/>
+            <a:off x="6964974" y="2570448"/>
             <a:ext cx="15917" cy="853882"/>
           </a:xfrm>
           <a:prstGeom prst="bentConnector3">
@@ -5683,7 +5096,7 @@
         </p:nvSpPr>
         <p:spPr>
           <a:xfrm>
-            <a:off x="6578613" y="4876600"/>
+            <a:off x="6586744" y="1929859"/>
             <a:ext cx="2150134" cy="1909427"/>
           </a:xfrm>
           <a:prstGeom prst="rect">
@@ -5729,7 +5142,7 @@
         </p:nvSpPr>
         <p:spPr>
           <a:xfrm>
-            <a:off x="6755315" y="4875074"/>
+            <a:off x="6763446" y="1928333"/>
             <a:ext cx="1741292" cy="246221"/>
           </a:xfrm>
           <a:prstGeom prst="rect">
@@ -5990,18 +5403,18 @@
           <p:cNvCxnSpPr>
             <a:cxnSpLocks/>
             <a:stCxn id="346" idx="3"/>
-            <a:endCxn id="170" idx="3"/>
+            <a:endCxn id="70" idx="3"/>
           </p:cNvCxnSpPr>
           <p:nvPr/>
         </p:nvCxnSpPr>
         <p:spPr>
           <a:xfrm flipH="1">
-            <a:off x="10978747" y="1487048"/>
-            <a:ext cx="414926" cy="3146971"/>
+            <a:off x="10989652" y="1487048"/>
+            <a:ext cx="404021" cy="3009701"/>
           </a:xfrm>
           <a:prstGeom prst="bentConnector3">
             <a:avLst>
-              <a:gd name="adj1" fmla="val -55094"/>
+              <a:gd name="adj1" fmla="val -56581"/>
             </a:avLst>
           </a:prstGeom>
           <a:ln>
@@ -6040,8 +5453,8 @@
         </p:nvCxnSpPr>
         <p:spPr>
           <a:xfrm rot="10800000" flipV="1">
-            <a:off x="8412761" y="1487047"/>
-            <a:ext cx="861796" cy="4030141"/>
+            <a:off x="8420893" y="1487048"/>
+            <a:ext cx="853665" cy="1083400"/>
           </a:xfrm>
           <a:prstGeom prst="bentConnector3">
             <a:avLst>
@@ -6106,10 +5519,10 @@
       </p:sp>
       <p:sp>
         <p:nvSpPr>
-          <p:cNvPr id="69" name="TextBox 68">
-            <a:extLst>
-              <a:ext uri="{FF2B5EF4-FFF2-40B4-BE49-F238E27FC236}">
-                <a16:creationId xmlns:a16="http://schemas.microsoft.com/office/drawing/2014/main" id="{0DF355AF-591B-4F10-A551-C75206BE2BE4}"/>
+          <p:cNvPr id="72" name="TextBox 71">
+            <a:extLst>
+              <a:ext uri="{FF2B5EF4-FFF2-40B4-BE49-F238E27FC236}">
+                <a16:creationId xmlns:a16="http://schemas.microsoft.com/office/drawing/2014/main" id="{C2DFB8A4-C741-4AB4-91FC-81129E0239F9}"/>
               </a:ext>
             </a:extLst>
           </p:cNvPr>
@@ -6118,8 +5531,8 @@
         </p:nvSpPr>
         <p:spPr>
           <a:xfrm>
-            <a:off x="7619113" y="3821293"/>
-            <a:ext cx="389468" cy="246221"/>
+            <a:off x="6636437" y="12693"/>
+            <a:ext cx="2019300" cy="369332"/>
           </a:xfrm>
           <a:prstGeom prst="rect">
             <a:avLst/>
@@ -6134,19 +5547,19 @@
           <a:p>
             <a:pPr algn="ctr"/>
             <a:r>
-              <a:rPr lang="en-US" altLang="ko-KR" sz="1000" b="1" dirty="0"/>
-              <a:t>Yes</a:t>
-            </a:r>
-            <a:endParaRPr lang="ko-KR" altLang="en-US" sz="1000" b="1" dirty="0"/>
-          </a:p>
-        </p:txBody>
-      </p:sp>
-      <p:sp>
-        <p:nvSpPr>
-          <p:cNvPr id="70" name="TextBox 69">
-            <a:extLst>
-              <a:ext uri="{FF2B5EF4-FFF2-40B4-BE49-F238E27FC236}">
-                <a16:creationId xmlns:a16="http://schemas.microsoft.com/office/drawing/2014/main" id="{B00372C4-AF4F-41C4-ADB8-E7B3BC61E644}"/>
+              <a:rPr lang="en-US" altLang="ko-KR" b="1" dirty="0"/>
+              <a:t>Server</a:t>
+            </a:r>
+            <a:endParaRPr lang="ko-KR" altLang="en-US" b="1" dirty="0"/>
+          </a:p>
+        </p:txBody>
+      </p:sp>
+      <p:sp>
+        <p:nvSpPr>
+          <p:cNvPr id="146" name="TextBox 145">
+            <a:extLst>
+              <a:ext uri="{FF2B5EF4-FFF2-40B4-BE49-F238E27FC236}">
+                <a16:creationId xmlns:a16="http://schemas.microsoft.com/office/drawing/2014/main" id="{7F7A5AF4-2A43-4ECE-9B8A-0657522F3AB1}"/>
               </a:ext>
             </a:extLst>
           </p:cNvPr>
@@ -6155,8 +5568,8 @@
         </p:nvSpPr>
         <p:spPr>
           <a:xfrm>
-            <a:off x="8276082" y="3345934"/>
-            <a:ext cx="389468" cy="246221"/>
+            <a:off x="6959522" y="3872749"/>
+            <a:ext cx="1592280" cy="338554"/>
           </a:xfrm>
           <a:prstGeom prst="rect">
             <a:avLst/>
@@ -6171,19 +5584,497 @@
           <a:p>
             <a:pPr algn="ctr"/>
             <a:r>
+              <a:rPr lang="en-US" altLang="ko-KR" sz="1600" dirty="0"/>
+              <a:t>Accept Thread</a:t>
+            </a:r>
+            <a:endParaRPr lang="ko-KR" altLang="en-US" sz="1600" dirty="0"/>
+          </a:p>
+        </p:txBody>
+      </p:sp>
+      <p:sp>
+        <p:nvSpPr>
+          <p:cNvPr id="147" name="사각형: 둥근 모서리 146">
+            <a:extLst>
+              <a:ext uri="{FF2B5EF4-FFF2-40B4-BE49-F238E27FC236}">
+                <a16:creationId xmlns:a16="http://schemas.microsoft.com/office/drawing/2014/main" id="{0C0029BF-2ED7-494F-B05D-5C2A464DE56B}"/>
+              </a:ext>
+            </a:extLst>
+          </p:cNvPr>
+          <p:cNvSpPr/>
+          <p:nvPr/>
+        </p:nvSpPr>
+        <p:spPr>
+          <a:xfrm>
+            <a:off x="6914092" y="1319061"/>
+            <a:ext cx="1440000" cy="412840"/>
+          </a:xfrm>
+          <a:prstGeom prst="roundRect">
+            <a:avLst/>
+          </a:prstGeom>
+        </p:spPr>
+        <p:style>
+          <a:lnRef idx="2">
+            <a:schemeClr val="accent4">
+              <a:shade val="50000"/>
+            </a:schemeClr>
+          </a:lnRef>
+          <a:fillRef idx="1">
+            <a:schemeClr val="accent4"/>
+          </a:fillRef>
+          <a:effectRef idx="0">
+            <a:schemeClr val="accent4"/>
+          </a:effectRef>
+          <a:fontRef idx="minor">
+            <a:schemeClr val="lt1"/>
+          </a:fontRef>
+        </p:style>
+        <p:txBody>
+          <a:bodyPr rtlCol="0" anchor="ctr"/>
+          <a:lstStyle/>
+          <a:p>
+            <a:pPr algn="ctr"/>
+            <a:r>
               <a:rPr lang="en-US" altLang="ko-KR" sz="1000" b="1" dirty="0"/>
-              <a:t>No</a:t>
+              <a:t>Create Accept Thread</a:t>
             </a:r>
             <a:endParaRPr lang="ko-KR" altLang="en-US" sz="1000" b="1" dirty="0"/>
           </a:p>
         </p:txBody>
       </p:sp>
-      <p:sp>
-        <p:nvSpPr>
-          <p:cNvPr id="72" name="TextBox 71">
-            <a:extLst>
-              <a:ext uri="{FF2B5EF4-FFF2-40B4-BE49-F238E27FC236}">
-                <a16:creationId xmlns:a16="http://schemas.microsoft.com/office/drawing/2014/main" id="{C2DFB8A4-C741-4AB4-91FC-81129E0239F9}"/>
+      <p:cxnSp>
+        <p:nvCxnSpPr>
+          <p:cNvPr id="154" name="직선 화살표 연결선 153">
+            <a:extLst>
+              <a:ext uri="{FF2B5EF4-FFF2-40B4-BE49-F238E27FC236}">
+                <a16:creationId xmlns:a16="http://schemas.microsoft.com/office/drawing/2014/main" id="{7F6C9D8D-6B22-4067-9BFA-BB645123EA65}"/>
+              </a:ext>
+            </a:extLst>
+          </p:cNvPr>
+          <p:cNvCxnSpPr>
+            <a:cxnSpLocks/>
+            <a:stCxn id="147" idx="2"/>
+            <a:endCxn id="336" idx="0"/>
+          </p:cNvCxnSpPr>
+          <p:nvPr/>
+        </p:nvCxnSpPr>
+        <p:spPr>
+          <a:xfrm>
+            <a:off x="7634092" y="1731901"/>
+            <a:ext cx="0" cy="196432"/>
+          </a:xfrm>
+          <a:prstGeom prst="straightConnector1">
+            <a:avLst/>
+          </a:prstGeom>
+          <a:ln>
+            <a:tailEnd type="triangle"/>
+          </a:ln>
+        </p:spPr>
+        <p:style>
+          <a:lnRef idx="1">
+            <a:schemeClr val="accent4"/>
+          </a:lnRef>
+          <a:fillRef idx="0">
+            <a:schemeClr val="accent4"/>
+          </a:fillRef>
+          <a:effectRef idx="0">
+            <a:schemeClr val="accent4"/>
+          </a:effectRef>
+          <a:fontRef idx="minor">
+            <a:schemeClr val="tx1"/>
+          </a:fontRef>
+        </p:style>
+      </p:cxnSp>
+      <p:cxnSp>
+        <p:nvCxnSpPr>
+          <p:cNvPr id="105" name="연결선: 꺾임 104">
+            <a:extLst>
+              <a:ext uri="{FF2B5EF4-FFF2-40B4-BE49-F238E27FC236}">
+                <a16:creationId xmlns:a16="http://schemas.microsoft.com/office/drawing/2014/main" id="{43A4EB58-48A4-40BE-A8E4-DA17BF244772}"/>
+              </a:ext>
+            </a:extLst>
+          </p:cNvPr>
+          <p:cNvCxnSpPr>
+            <a:cxnSpLocks/>
+            <a:stCxn id="147" idx="1"/>
+            <a:endCxn id="146" idx="1"/>
+          </p:cNvCxnSpPr>
+          <p:nvPr/>
+        </p:nvCxnSpPr>
+        <p:spPr>
+          <a:xfrm rot="10800000" flipH="1" flipV="1">
+            <a:off x="6914092" y="1525480"/>
+            <a:ext cx="45430" cy="2516545"/>
+          </a:xfrm>
+          <a:prstGeom prst="bentConnector3">
+            <a:avLst>
+              <a:gd name="adj1" fmla="val -2033733"/>
+            </a:avLst>
+          </a:prstGeom>
+          <a:ln>
+            <a:tailEnd type="triangle"/>
+          </a:ln>
+        </p:spPr>
+        <p:style>
+          <a:lnRef idx="1">
+            <a:schemeClr val="accent4"/>
+          </a:lnRef>
+          <a:fillRef idx="0">
+            <a:schemeClr val="accent4"/>
+          </a:fillRef>
+          <a:effectRef idx="0">
+            <a:schemeClr val="accent4"/>
+          </a:effectRef>
+          <a:fontRef idx="minor">
+            <a:schemeClr val="tx1"/>
+          </a:fontRef>
+        </p:style>
+      </p:cxnSp>
+      <p:sp>
+        <p:nvSpPr>
+          <p:cNvPr id="108" name="사각형: 둥근 모서리 107">
+            <a:extLst>
+              <a:ext uri="{FF2B5EF4-FFF2-40B4-BE49-F238E27FC236}">
+                <a16:creationId xmlns:a16="http://schemas.microsoft.com/office/drawing/2014/main" id="{73BE2E0E-B2C7-4E04-A90A-B5CF5DA2D079}"/>
+              </a:ext>
+            </a:extLst>
+          </p:cNvPr>
+          <p:cNvSpPr/>
+          <p:nvPr/>
+        </p:nvSpPr>
+        <p:spPr>
+          <a:xfrm>
+            <a:off x="7226854" y="4583297"/>
+            <a:ext cx="956734" cy="211928"/>
+          </a:xfrm>
+          <a:prstGeom prst="roundRect">
+            <a:avLst/>
+          </a:prstGeom>
+        </p:spPr>
+        <p:style>
+          <a:lnRef idx="2">
+            <a:schemeClr val="accent4">
+              <a:shade val="50000"/>
+            </a:schemeClr>
+          </a:lnRef>
+          <a:fillRef idx="1">
+            <a:schemeClr val="accent4"/>
+          </a:fillRef>
+          <a:effectRef idx="0">
+            <a:schemeClr val="accent4"/>
+          </a:effectRef>
+          <a:fontRef idx="minor">
+            <a:schemeClr val="lt1"/>
+          </a:fontRef>
+        </p:style>
+        <p:txBody>
+          <a:bodyPr rtlCol="0" anchor="ctr"/>
+          <a:lstStyle/>
+          <a:p>
+            <a:pPr algn="ctr"/>
+            <a:r>
+              <a:rPr lang="en-US" altLang="ko-KR" sz="1000" b="1" dirty="0"/>
+              <a:t>Accept</a:t>
+            </a:r>
+            <a:endParaRPr lang="ko-KR" altLang="en-US" sz="1000" b="1" dirty="0"/>
+          </a:p>
+        </p:txBody>
+      </p:sp>
+      <p:cxnSp>
+        <p:nvCxnSpPr>
+          <p:cNvPr id="110" name="연결선: 꺾임 109">
+            <a:extLst>
+              <a:ext uri="{FF2B5EF4-FFF2-40B4-BE49-F238E27FC236}">
+                <a16:creationId xmlns:a16="http://schemas.microsoft.com/office/drawing/2014/main" id="{1CE564A9-F3C8-48E9-9FCA-BA48CB190A5A}"/>
+              </a:ext>
+            </a:extLst>
+          </p:cNvPr>
+          <p:cNvCxnSpPr>
+            <a:cxnSpLocks/>
+            <a:stCxn id="115" idx="2"/>
+            <a:endCxn id="108" idx="3"/>
+          </p:cNvCxnSpPr>
+          <p:nvPr/>
+        </p:nvCxnSpPr>
+        <p:spPr>
+          <a:xfrm flipH="1" flipV="1">
+            <a:off x="8183588" y="4689261"/>
+            <a:ext cx="264127" cy="1147764"/>
+          </a:xfrm>
+          <a:prstGeom prst="bentConnector3">
+            <a:avLst>
+              <a:gd name="adj1" fmla="val -114598"/>
+            </a:avLst>
+          </a:prstGeom>
+          <a:ln>
+            <a:tailEnd type="triangle"/>
+          </a:ln>
+        </p:spPr>
+        <p:style>
+          <a:lnRef idx="1">
+            <a:schemeClr val="accent4"/>
+          </a:lnRef>
+          <a:fillRef idx="0">
+            <a:schemeClr val="accent4"/>
+          </a:fillRef>
+          <a:effectRef idx="0">
+            <a:schemeClr val="accent4"/>
+          </a:effectRef>
+          <a:fontRef idx="minor">
+            <a:schemeClr val="tx1"/>
+          </a:fontRef>
+        </p:style>
+      </p:cxnSp>
+      <p:cxnSp>
+        <p:nvCxnSpPr>
+          <p:cNvPr id="111" name="직선 화살표 연결선 110">
+            <a:extLst>
+              <a:ext uri="{FF2B5EF4-FFF2-40B4-BE49-F238E27FC236}">
+                <a16:creationId xmlns:a16="http://schemas.microsoft.com/office/drawing/2014/main" id="{271452BA-1143-4EC9-835C-3DCD8822FEA5}"/>
+              </a:ext>
+            </a:extLst>
+          </p:cNvPr>
+          <p:cNvCxnSpPr>
+            <a:cxnSpLocks/>
+            <a:stCxn id="108" idx="2"/>
+            <a:endCxn id="113" idx="0"/>
+          </p:cNvCxnSpPr>
+          <p:nvPr/>
+        </p:nvCxnSpPr>
+        <p:spPr>
+          <a:xfrm>
+            <a:off x="7705221" y="4795225"/>
+            <a:ext cx="6577" cy="231109"/>
+          </a:xfrm>
+          <a:prstGeom prst="straightConnector1">
+            <a:avLst/>
+          </a:prstGeom>
+          <a:ln>
+            <a:tailEnd type="triangle"/>
+          </a:ln>
+        </p:spPr>
+        <p:style>
+          <a:lnRef idx="1">
+            <a:schemeClr val="accent4"/>
+          </a:lnRef>
+          <a:fillRef idx="0">
+            <a:schemeClr val="accent4"/>
+          </a:fillRef>
+          <a:effectRef idx="0">
+            <a:schemeClr val="accent4"/>
+          </a:effectRef>
+          <a:fontRef idx="minor">
+            <a:schemeClr val="tx1"/>
+          </a:fontRef>
+        </p:style>
+      </p:cxnSp>
+      <p:sp>
+        <p:nvSpPr>
+          <p:cNvPr id="113" name="사각형: 둥근 모서리 112">
+            <a:extLst>
+              <a:ext uri="{FF2B5EF4-FFF2-40B4-BE49-F238E27FC236}">
+                <a16:creationId xmlns:a16="http://schemas.microsoft.com/office/drawing/2014/main" id="{9DBD5D6C-1E5C-4F3E-B7B6-9FFE742EEC03}"/>
+              </a:ext>
+            </a:extLst>
+          </p:cNvPr>
+          <p:cNvSpPr/>
+          <p:nvPr/>
+        </p:nvSpPr>
+        <p:spPr>
+          <a:xfrm>
+            <a:off x="6991798" y="5026334"/>
+            <a:ext cx="1440000" cy="337398"/>
+          </a:xfrm>
+          <a:prstGeom prst="roundRect">
+            <a:avLst/>
+          </a:prstGeom>
+        </p:spPr>
+        <p:style>
+          <a:lnRef idx="2">
+            <a:schemeClr val="accent4">
+              <a:shade val="50000"/>
+            </a:schemeClr>
+          </a:lnRef>
+          <a:fillRef idx="1">
+            <a:schemeClr val="accent4"/>
+          </a:fillRef>
+          <a:effectRef idx="0">
+            <a:schemeClr val="accent4"/>
+          </a:effectRef>
+          <a:fontRef idx="minor">
+            <a:schemeClr val="lt1"/>
+          </a:fontRef>
+        </p:style>
+        <p:txBody>
+          <a:bodyPr rtlCol="0" anchor="ctr"/>
+          <a:lstStyle/>
+          <a:p>
+            <a:pPr algn="ctr"/>
+            <a:r>
+              <a:rPr lang="en-US" altLang="ko-KR" sz="1000" b="1" dirty="0"/>
+              <a:t>Create </a:t>
+            </a:r>
+            <a:r>
+              <a:rPr lang="en-US" altLang="ko-KR" sz="1000" b="1" dirty="0" err="1"/>
+              <a:t>Recv</a:t>
+            </a:r>
+            <a:r>
+              <a:rPr lang="en-US" altLang="ko-KR" sz="1000" b="1" dirty="0"/>
+              <a:t> Thread</a:t>
+            </a:r>
+            <a:endParaRPr lang="ko-KR" altLang="en-US" sz="1000" b="1" dirty="0"/>
+          </a:p>
+        </p:txBody>
+      </p:sp>
+      <p:cxnSp>
+        <p:nvCxnSpPr>
+          <p:cNvPr id="114" name="직선 화살표 연결선 113">
+            <a:extLst>
+              <a:ext uri="{FF2B5EF4-FFF2-40B4-BE49-F238E27FC236}">
+                <a16:creationId xmlns:a16="http://schemas.microsoft.com/office/drawing/2014/main" id="{D7F6F6EA-CCCC-47E4-A502-BE73194B8411}"/>
+              </a:ext>
+            </a:extLst>
+          </p:cNvPr>
+          <p:cNvCxnSpPr>
+            <a:cxnSpLocks/>
+            <a:stCxn id="113" idx="2"/>
+            <a:endCxn id="115" idx="0"/>
+          </p:cNvCxnSpPr>
+          <p:nvPr/>
+        </p:nvCxnSpPr>
+        <p:spPr>
+          <a:xfrm>
+            <a:off x="7711798" y="5363732"/>
+            <a:ext cx="0" cy="231110"/>
+          </a:xfrm>
+          <a:prstGeom prst="straightConnector1">
+            <a:avLst/>
+          </a:prstGeom>
+          <a:ln>
+            <a:tailEnd type="triangle"/>
+          </a:ln>
+        </p:spPr>
+        <p:style>
+          <a:lnRef idx="1">
+            <a:schemeClr val="accent4"/>
+          </a:lnRef>
+          <a:fillRef idx="0">
+            <a:schemeClr val="accent4"/>
+          </a:fillRef>
+          <a:effectRef idx="0">
+            <a:schemeClr val="accent4"/>
+          </a:effectRef>
+          <a:fontRef idx="minor">
+            <a:schemeClr val="tx1"/>
+          </a:fontRef>
+        </p:style>
+      </p:cxnSp>
+      <p:sp>
+        <p:nvSpPr>
+          <p:cNvPr id="115" name="평행 사변형 114">
+            <a:extLst>
+              <a:ext uri="{FF2B5EF4-FFF2-40B4-BE49-F238E27FC236}">
+                <a16:creationId xmlns:a16="http://schemas.microsoft.com/office/drawing/2014/main" id="{7CBFBA53-CAF2-4B38-9074-79E29B31AF9C}"/>
+              </a:ext>
+            </a:extLst>
+          </p:cNvPr>
+          <p:cNvSpPr/>
+          <p:nvPr/>
+        </p:nvSpPr>
+        <p:spPr>
+          <a:xfrm>
+            <a:off x="6901798" y="5594842"/>
+            <a:ext cx="1620000" cy="484364"/>
+          </a:xfrm>
+          <a:prstGeom prst="parallelogram">
+            <a:avLst/>
+          </a:prstGeom>
+        </p:spPr>
+        <p:style>
+          <a:lnRef idx="2">
+            <a:schemeClr val="accent4">
+              <a:shade val="50000"/>
+            </a:schemeClr>
+          </a:lnRef>
+          <a:fillRef idx="1">
+            <a:schemeClr val="accent4"/>
+          </a:fillRef>
+          <a:effectRef idx="0">
+            <a:schemeClr val="accent4"/>
+          </a:effectRef>
+          <a:fontRef idx="minor">
+            <a:schemeClr val="lt1"/>
+          </a:fontRef>
+        </p:style>
+        <p:txBody>
+          <a:bodyPr rtlCol="0" anchor="ctr"/>
+          <a:lstStyle/>
+          <a:p>
+            <a:pPr algn="ctr"/>
+            <a:r>
+              <a:rPr lang="en-US" altLang="ko-KR" sz="1000" b="1" dirty="0"/>
+              <a:t>Send login ok packet</a:t>
+            </a:r>
+          </a:p>
+        </p:txBody>
+      </p:sp>
+      <p:sp>
+        <p:nvSpPr>
+          <p:cNvPr id="118" name="직사각형 117">
+            <a:extLst>
+              <a:ext uri="{FF2B5EF4-FFF2-40B4-BE49-F238E27FC236}">
+                <a16:creationId xmlns:a16="http://schemas.microsoft.com/office/drawing/2014/main" id="{39ED46C8-819C-47D1-B078-B8FB20940405}"/>
+              </a:ext>
+            </a:extLst>
+          </p:cNvPr>
+          <p:cNvSpPr/>
+          <p:nvPr/>
+        </p:nvSpPr>
+        <p:spPr>
+          <a:xfrm>
+            <a:off x="6555153" y="4233870"/>
+            <a:ext cx="2290365" cy="1968619"/>
+          </a:xfrm>
+          <a:prstGeom prst="rect">
+            <a:avLst/>
+          </a:prstGeom>
+          <a:noFill/>
+          <a:ln>
+            <a:solidFill>
+              <a:schemeClr val="tx1"/>
+            </a:solidFill>
+          </a:ln>
+        </p:spPr>
+        <p:style>
+          <a:lnRef idx="2">
+            <a:schemeClr val="accent1">
+              <a:shade val="50000"/>
+            </a:schemeClr>
+          </a:lnRef>
+          <a:fillRef idx="1">
+            <a:schemeClr val="accent1"/>
+          </a:fillRef>
+          <a:effectRef idx="0">
+            <a:schemeClr val="accent1"/>
+          </a:effectRef>
+          <a:fontRef idx="minor">
+            <a:schemeClr val="lt1"/>
+          </a:fontRef>
+        </p:style>
+        <p:txBody>
+          <a:bodyPr rtlCol="0" anchor="ctr"/>
+          <a:lstStyle/>
+          <a:p>
+            <a:pPr algn="ctr"/>
+            <a:endParaRPr lang="ko-KR" altLang="en-US" sz="1000" b="1"/>
+          </a:p>
+        </p:txBody>
+      </p:sp>
+      <p:sp>
+        <p:nvSpPr>
+          <p:cNvPr id="120" name="TextBox 119">
+            <a:extLst>
+              <a:ext uri="{FF2B5EF4-FFF2-40B4-BE49-F238E27FC236}">
+                <a16:creationId xmlns:a16="http://schemas.microsoft.com/office/drawing/2014/main" id="{6B42BB2B-78A2-4FE8-B532-1EEA03D2CCA2}"/>
               </a:ext>
             </a:extLst>
           </p:cNvPr>
@@ -6192,8 +6083,8 @@
         </p:nvSpPr>
         <p:spPr>
           <a:xfrm>
-            <a:off x="6636437" y="12693"/>
-            <a:ext cx="2019300" cy="369332"/>
+            <a:off x="6773520" y="4240582"/>
+            <a:ext cx="1910723" cy="226381"/>
           </a:xfrm>
           <a:prstGeom prst="rect">
             <a:avLst/>
@@ -6201,20 +6092,325 @@
           <a:noFill/>
         </p:spPr>
         <p:txBody>
-          <a:bodyPr wrap="square" rtlCol="0">
+          <a:bodyPr wrap="square">
             <a:spAutoFit/>
           </a:bodyPr>
           <a:lstStyle/>
           <a:p>
             <a:pPr algn="ctr"/>
             <a:r>
-              <a:rPr lang="en-US" altLang="ko-KR" b="1" dirty="0"/>
-              <a:t>Server</a:t>
-            </a:r>
-            <a:endParaRPr lang="ko-KR" altLang="en-US" b="1" dirty="0"/>
-          </a:p>
-        </p:txBody>
-      </p:sp>
+              <a:rPr lang="en-US" altLang="ko-KR" sz="1200" b="1" dirty="0">
+                <a:ea typeface="돋움체" panose="020B0609000101010101" pitchFamily="49" charset="-127"/>
+              </a:rPr>
+              <a:t>while (</a:t>
+            </a:r>
+            <a:r>
+              <a:rPr lang="en-US" altLang="ko-KR" sz="1200" b="1" dirty="0" err="1">
+                <a:ea typeface="돋움체" panose="020B0609000101010101" pitchFamily="49" charset="-127"/>
+              </a:rPr>
+              <a:t>nClient</a:t>
+            </a:r>
+            <a:r>
+              <a:rPr lang="ko-KR" altLang="en-US" sz="1200" b="1" dirty="0">
+                <a:ea typeface="돋움체" panose="020B0609000101010101" pitchFamily="49" charset="-127"/>
+              </a:rPr>
+              <a:t> </a:t>
+            </a:r>
+            <a:r>
+              <a:rPr lang="en-US" altLang="ko-KR" sz="1200" b="1" dirty="0">
+                <a:ea typeface="돋움체" panose="020B0609000101010101" pitchFamily="49" charset="-127"/>
+              </a:rPr>
+              <a:t>&lt; 4)</a:t>
+            </a:r>
+            <a:endParaRPr lang="ko-KR" altLang="en-US" sz="1200" b="1" dirty="0"/>
+          </a:p>
+        </p:txBody>
+      </p:sp>
+      <p:cxnSp>
+        <p:nvCxnSpPr>
+          <p:cNvPr id="121" name="직선 연결선 120">
+            <a:extLst>
+              <a:ext uri="{FF2B5EF4-FFF2-40B4-BE49-F238E27FC236}">
+                <a16:creationId xmlns:a16="http://schemas.microsoft.com/office/drawing/2014/main" id="{0354135E-093F-46CB-BA3C-F9A1A0F89FFF}"/>
+              </a:ext>
+            </a:extLst>
+          </p:cNvPr>
+          <p:cNvCxnSpPr/>
+          <p:nvPr/>
+        </p:nvCxnSpPr>
+        <p:spPr>
+          <a:xfrm>
+            <a:off x="6691951" y="4466963"/>
+            <a:ext cx="2027742" cy="0"/>
+          </a:xfrm>
+          <a:prstGeom prst="line">
+            <a:avLst/>
+          </a:prstGeom>
+        </p:spPr>
+        <p:style>
+          <a:lnRef idx="1">
+            <a:schemeClr val="accent3"/>
+          </a:lnRef>
+          <a:fillRef idx="0">
+            <a:schemeClr val="accent3"/>
+          </a:fillRef>
+          <a:effectRef idx="0">
+            <a:schemeClr val="accent3"/>
+          </a:effectRef>
+          <a:fontRef idx="minor">
+            <a:schemeClr val="tx1"/>
+          </a:fontRef>
+        </p:style>
+      </p:cxnSp>
+      <p:sp>
+        <p:nvSpPr>
+          <p:cNvPr id="162" name="평행 사변형 161">
+            <a:extLst>
+              <a:ext uri="{FF2B5EF4-FFF2-40B4-BE49-F238E27FC236}">
+                <a16:creationId xmlns:a16="http://schemas.microsoft.com/office/drawing/2014/main" id="{7ACEE645-76E4-43D4-B4E6-A64861562976}"/>
+              </a:ext>
+            </a:extLst>
+          </p:cNvPr>
+          <p:cNvSpPr/>
+          <p:nvPr/>
+        </p:nvSpPr>
+        <p:spPr>
+          <a:xfrm>
+            <a:off x="6884738" y="6373636"/>
+            <a:ext cx="1620000" cy="471671"/>
+          </a:xfrm>
+          <a:prstGeom prst="parallelogram">
+            <a:avLst/>
+          </a:prstGeom>
+        </p:spPr>
+        <p:style>
+          <a:lnRef idx="2">
+            <a:schemeClr val="accent4">
+              <a:shade val="50000"/>
+            </a:schemeClr>
+          </a:lnRef>
+          <a:fillRef idx="1">
+            <a:schemeClr val="accent4"/>
+          </a:fillRef>
+          <a:effectRef idx="0">
+            <a:schemeClr val="accent4"/>
+          </a:effectRef>
+          <a:fontRef idx="minor">
+            <a:schemeClr val="lt1"/>
+          </a:fontRef>
+        </p:style>
+        <p:txBody>
+          <a:bodyPr rtlCol="0" anchor="ctr"/>
+          <a:lstStyle/>
+          <a:p>
+            <a:pPr algn="ctr"/>
+            <a:r>
+              <a:rPr lang="en-US" altLang="ko-KR" sz="1000" b="1" dirty="0"/>
+              <a:t>Send Change Scene packet</a:t>
+            </a:r>
+          </a:p>
+        </p:txBody>
+      </p:sp>
+      <p:cxnSp>
+        <p:nvCxnSpPr>
+          <p:cNvPr id="165" name="직선 화살표 연결선 164">
+            <a:extLst>
+              <a:ext uri="{FF2B5EF4-FFF2-40B4-BE49-F238E27FC236}">
+                <a16:creationId xmlns:a16="http://schemas.microsoft.com/office/drawing/2014/main" id="{E03BFFF3-49B1-4E19-90DB-15A5CE4A98D4}"/>
+              </a:ext>
+            </a:extLst>
+          </p:cNvPr>
+          <p:cNvCxnSpPr>
+            <a:cxnSpLocks/>
+            <a:stCxn id="118" idx="2"/>
+            <a:endCxn id="162" idx="0"/>
+          </p:cNvCxnSpPr>
+          <p:nvPr/>
+        </p:nvCxnSpPr>
+        <p:spPr>
+          <a:xfrm flipH="1">
+            <a:off x="7694738" y="6202489"/>
+            <a:ext cx="5598" cy="171147"/>
+          </a:xfrm>
+          <a:prstGeom prst="straightConnector1">
+            <a:avLst/>
+          </a:prstGeom>
+          <a:ln>
+            <a:tailEnd type="triangle"/>
+          </a:ln>
+        </p:spPr>
+        <p:style>
+          <a:lnRef idx="1">
+            <a:schemeClr val="accent4"/>
+          </a:lnRef>
+          <a:fillRef idx="0">
+            <a:schemeClr val="accent4"/>
+          </a:fillRef>
+          <a:effectRef idx="0">
+            <a:schemeClr val="accent4"/>
+          </a:effectRef>
+          <a:fontRef idx="minor">
+            <a:schemeClr val="tx1"/>
+          </a:fontRef>
+        </p:style>
+      </p:cxnSp>
+      <p:sp>
+        <p:nvSpPr>
+          <p:cNvPr id="70" name="사각형: 둥근 모서리 69">
+            <a:extLst>
+              <a:ext uri="{FF2B5EF4-FFF2-40B4-BE49-F238E27FC236}">
+                <a16:creationId xmlns:a16="http://schemas.microsoft.com/office/drawing/2014/main" id="{CC95EAE7-7ED6-4039-BFBB-F586A6151433}"/>
+              </a:ext>
+            </a:extLst>
+          </p:cNvPr>
+          <p:cNvSpPr/>
+          <p:nvPr/>
+        </p:nvSpPr>
+        <p:spPr>
+          <a:xfrm>
+            <a:off x="9549652" y="4255694"/>
+            <a:ext cx="1440000" cy="482109"/>
+          </a:xfrm>
+          <a:prstGeom prst="roundRect">
+            <a:avLst/>
+          </a:prstGeom>
+        </p:spPr>
+        <p:style>
+          <a:lnRef idx="2">
+            <a:schemeClr val="accent4">
+              <a:shade val="50000"/>
+            </a:schemeClr>
+          </a:lnRef>
+          <a:fillRef idx="1">
+            <a:schemeClr val="accent4"/>
+          </a:fillRef>
+          <a:effectRef idx="0">
+            <a:schemeClr val="accent4"/>
+          </a:effectRef>
+          <a:fontRef idx="minor">
+            <a:schemeClr val="lt1"/>
+          </a:fontRef>
+        </p:style>
+        <p:txBody>
+          <a:bodyPr rtlCol="0" anchor="ctr"/>
+          <a:lstStyle/>
+          <a:p>
+            <a:pPr algn="ctr"/>
+            <a:r>
+              <a:rPr lang="en-US" altLang="ko-KR" sz="1000" b="1" dirty="0"/>
+              <a:t>Process Packet</a:t>
+            </a:r>
+          </a:p>
+        </p:txBody>
+      </p:sp>
+      <p:sp>
+        <p:nvSpPr>
+          <p:cNvPr id="76" name="평행 사변형 75">
+            <a:extLst>
+              <a:ext uri="{FF2B5EF4-FFF2-40B4-BE49-F238E27FC236}">
+                <a16:creationId xmlns:a16="http://schemas.microsoft.com/office/drawing/2014/main" id="{D7F2DFDD-A18E-46B9-B73B-AE3B85EF08D4}"/>
+              </a:ext>
+            </a:extLst>
+          </p:cNvPr>
+          <p:cNvSpPr/>
+          <p:nvPr/>
+        </p:nvSpPr>
+        <p:spPr>
+          <a:xfrm>
+            <a:off x="9548181" y="4920952"/>
+            <a:ext cx="1440000" cy="450000"/>
+          </a:xfrm>
+          <a:prstGeom prst="parallelogram">
+            <a:avLst/>
+          </a:prstGeom>
+        </p:spPr>
+        <p:style>
+          <a:lnRef idx="2">
+            <a:schemeClr val="accent4">
+              <a:shade val="50000"/>
+            </a:schemeClr>
+          </a:lnRef>
+          <a:fillRef idx="1">
+            <a:schemeClr val="accent4"/>
+          </a:fillRef>
+          <a:effectRef idx="0">
+            <a:schemeClr val="accent4"/>
+          </a:effectRef>
+          <a:fontRef idx="minor">
+            <a:schemeClr val="lt1"/>
+          </a:fontRef>
+        </p:style>
+        <p:txBody>
+          <a:bodyPr rtlCol="0" anchor="ctr"/>
+          <a:lstStyle/>
+          <a:p>
+            <a:pPr algn="ctr"/>
+            <a:r>
+              <a:rPr lang="en-US" altLang="ko-KR" sz="1000" b="1" dirty="0"/>
+              <a:t>Send</a:t>
+            </a:r>
+            <a:r>
+              <a:rPr lang="ko-KR" altLang="en-US" sz="1000" b="1" dirty="0"/>
+              <a:t> </a:t>
+            </a:r>
+            <a:r>
+              <a:rPr lang="en-US" altLang="ko-KR" sz="1000" b="1" dirty="0"/>
+              <a:t>Packet()</a:t>
+            </a:r>
+          </a:p>
+          <a:p>
+            <a:pPr algn="ctr"/>
+            <a:r>
+              <a:rPr lang="en-US" altLang="ko-KR" sz="1000" b="1" dirty="0"/>
+              <a:t>(Move, item)</a:t>
+            </a:r>
+            <a:endParaRPr lang="ko-KR" altLang="en-US" sz="1000" b="1" dirty="0"/>
+          </a:p>
+        </p:txBody>
+      </p:sp>
+      <p:cxnSp>
+        <p:nvCxnSpPr>
+          <p:cNvPr id="78" name="직선 화살표 연결선 77">
+            <a:extLst>
+              <a:ext uri="{FF2B5EF4-FFF2-40B4-BE49-F238E27FC236}">
+                <a16:creationId xmlns:a16="http://schemas.microsoft.com/office/drawing/2014/main" id="{61B7BF3E-7BC9-43A4-999A-3A77386A4739}"/>
+              </a:ext>
+            </a:extLst>
+          </p:cNvPr>
+          <p:cNvCxnSpPr>
+            <a:cxnSpLocks/>
+            <a:stCxn id="70" idx="2"/>
+            <a:endCxn id="76" idx="0"/>
+          </p:cNvCxnSpPr>
+          <p:nvPr/>
+        </p:nvCxnSpPr>
+        <p:spPr>
+          <a:xfrm flipH="1">
+            <a:off x="10268181" y="4737803"/>
+            <a:ext cx="1471" cy="183149"/>
+          </a:xfrm>
+          <a:prstGeom prst="straightConnector1">
+            <a:avLst/>
+          </a:prstGeom>
+          <a:ln>
+            <a:tailEnd type="triangle"/>
+          </a:ln>
+        </p:spPr>
+        <p:style>
+          <a:lnRef idx="1">
+            <a:schemeClr val="accent4"/>
+          </a:lnRef>
+          <a:fillRef idx="0">
+            <a:schemeClr val="accent4"/>
+          </a:fillRef>
+          <a:effectRef idx="0">
+            <a:schemeClr val="accent4"/>
+          </a:effectRef>
+          <a:fontRef idx="minor">
+            <a:schemeClr val="tx1"/>
+          </a:fontRef>
+        </p:style>
+      </p:cxnSp>
     </p:spTree>
     <p:extLst>
       <p:ext uri="{BB962C8B-B14F-4D97-AF65-F5344CB8AC3E}">
